--- a/Lesson_Materials/Lecture_00A_Why_Parallel_and_Heterogeneous/Why_Parallel_and_Heterogeneous.pptx
+++ b/Lesson_Materials/Lecture_00A_Why_Parallel_and_Heterogeneous/Why_Parallel_and_Heterogeneous.pptx
@@ -6,6 +6,11 @@
   </p:sldMasterIdLst>
   <p:sldIdLst>
     <p:sldId id="256" r:id="rId2"/>
+    <p:sldId id="257" r:id="rId3"/>
+    <p:sldId id="258" r:id="rId4"/>
+    <p:sldId id="261" r:id="rId5"/>
+    <p:sldId id="262" r:id="rId6"/>
+    <p:sldId id="263" r:id="rId7"/>
   </p:sldIdLst>
   <p:sldSz cx="12192000" cy="6858000"/>
   <p:notesSz cx="6858000" cy="9144000"/>
@@ -104,6 +109,11 @@
       </a:defRPr>
     </a:lvl9pPr>
   </p:defaultTextStyle>
+  <p:extLst>
+    <p:ext uri="{EFAFB233-063F-42B5-8137-9DF3F51BA10A}">
+      <p15:sldGuideLst xmlns:p15="http://schemas.microsoft.com/office/powerpoint/2012/main"/>
+    </p:ext>
+  </p:extLst>
 </p:presentation>
 </file>
 
@@ -1744,12 +1754,29 @@
             <p:ph type="ctrTitle"/>
           </p:nvPr>
         </p:nvSpPr>
-        <p:spPr/>
+        <p:spPr>
+          <a:xfrm>
+            <a:off x="1653092" y="1950702"/>
+            <a:ext cx="9144000" cy="2387600"/>
+          </a:xfrm>
+        </p:spPr>
         <p:txBody>
-          <a:bodyPr/>
+          <a:bodyPr>
+            <a:normAutofit/>
+          </a:bodyPr>
           <a:lstStyle/>
           <a:p>
-            <a:endParaRPr lang="en-US"/>
+            <a:r>
+              <a:rPr lang="en-US" sz="8000" b="0" i="0" u="none" strike="noStrike" dirty="0">
+                <a:solidFill>
+                  <a:srgbClr val="000000"/>
+                </a:solidFill>
+                <a:effectLst/>
+                <a:latin typeface="Arial" panose="020B0604020202020204" pitchFamily="34" charset="0"/>
+              </a:rPr>
+              <a:t>Parallelism &amp; Heterogeneity</a:t>
+            </a:r>
+            <a:endParaRPr lang="en-US" sz="8000" dirty="0"/>
           </a:p>
         </p:txBody>
       </p:sp>
@@ -1769,12 +1796,55 @@
             <p:ph type="subTitle" idx="1"/>
           </p:nvPr>
         </p:nvSpPr>
-        <p:spPr/>
+        <p:spPr>
+          <a:xfrm>
+            <a:off x="1653092" y="4430377"/>
+            <a:ext cx="9144000" cy="1655762"/>
+          </a:xfrm>
+        </p:spPr>
         <p:txBody>
           <a:bodyPr/>
           <a:lstStyle/>
           <a:p>
-            <a:endParaRPr lang="en-US"/>
+            <a:r>
+              <a:rPr lang="en-US" dirty="0"/>
+              <a:t>Why do we need to care?</a:t>
+            </a:r>
+          </a:p>
+        </p:txBody>
+      </p:sp>
+      <p:sp>
+        <p:nvSpPr>
+          <p:cNvPr id="4" name="TextBox 3">
+            <a:extLst>
+              <a:ext uri="{FF2B5EF4-FFF2-40B4-BE49-F238E27FC236}">
+                <a16:creationId xmlns:a16="http://schemas.microsoft.com/office/drawing/2014/main" id="{029A3DC7-EB74-47AF-847E-1E68D2E68567}"/>
+              </a:ext>
+            </a:extLst>
+          </p:cNvPr>
+          <p:cNvSpPr txBox="1"/>
+          <p:nvPr/>
+        </p:nvSpPr>
+        <p:spPr>
+          <a:xfrm>
+            <a:off x="5105137" y="5808882"/>
+            <a:ext cx="2239909" cy="369332"/>
+          </a:xfrm>
+          <a:prstGeom prst="rect">
+            <a:avLst/>
+          </a:prstGeom>
+          <a:noFill/>
+        </p:spPr>
+        <p:txBody>
+          <a:bodyPr wrap="none" rtlCol="0">
+            <a:spAutoFit/>
+          </a:bodyPr>
+          <a:lstStyle/>
+          <a:p>
+            <a:r>
+              <a:rPr lang="en-US" dirty="0"/>
+              <a:t>James Reinders (Intel)</a:t>
+            </a:r>
           </a:p>
         </p:txBody>
       </p:sp>
@@ -1782,6 +1852,2280 @@
     <p:extLst>
       <p:ext uri="{BB962C8B-B14F-4D97-AF65-F5344CB8AC3E}">
         <p14:creationId xmlns:p14="http://schemas.microsoft.com/office/powerpoint/2010/main" val="247524480"/>
+      </p:ext>
+    </p:extLst>
+  </p:cSld>
+  <p:clrMapOvr>
+    <a:masterClrMapping/>
+  </p:clrMapOvr>
+</p:sld>
+</file>
+
+<file path=ppt/slides/slide2.xml><?xml version="1.0" encoding="utf-8"?>
+<p:sld xmlns:a="http://schemas.openxmlformats.org/drawingml/2006/main" xmlns:r="http://schemas.openxmlformats.org/officeDocument/2006/relationships" xmlns:p="http://schemas.openxmlformats.org/presentationml/2006/main">
+  <p:cSld>
+    <p:spTree>
+      <p:nvGrpSpPr>
+        <p:cNvPr id="1" name=""/>
+        <p:cNvGrpSpPr/>
+        <p:nvPr/>
+      </p:nvGrpSpPr>
+      <p:grpSpPr>
+        <a:xfrm>
+          <a:off x="0" y="0"/>
+          <a:ext cx="0" cy="0"/>
+          <a:chOff x="0" y="0"/>
+          <a:chExt cx="0" cy="0"/>
+        </a:xfrm>
+      </p:grpSpPr>
+      <p:sp>
+        <p:nvSpPr>
+          <p:cNvPr id="6" name="Title 5">
+            <a:extLst>
+              <a:ext uri="{FF2B5EF4-FFF2-40B4-BE49-F238E27FC236}">
+                <a16:creationId xmlns:a16="http://schemas.microsoft.com/office/drawing/2014/main" id="{0AAFE1BB-E001-45DD-A220-2E90A0EF2E8A}"/>
+              </a:ext>
+            </a:extLst>
+          </p:cNvPr>
+          <p:cNvSpPr>
+            <a:spLocks noGrp="1"/>
+          </p:cNvSpPr>
+          <p:nvPr>
+            <p:ph type="title"/>
+          </p:nvPr>
+        </p:nvSpPr>
+        <p:spPr>
+          <a:xfrm>
+            <a:off x="407894" y="538443"/>
+            <a:ext cx="10515600" cy="1315757"/>
+          </a:xfrm>
+        </p:spPr>
+        <p:txBody>
+          <a:bodyPr>
+            <a:normAutofit/>
+          </a:bodyPr>
+          <a:lstStyle/>
+          <a:p>
+            <a:r>
+              <a:rPr lang="en-US" dirty="0"/>
+              <a:t>Our quest for more performance is eternal;</a:t>
+            </a:r>
+            <a:br>
+              <a:rPr lang="en-US" dirty="0"/>
+            </a:br>
+            <a:r>
+              <a:rPr lang="en-US" dirty="0"/>
+              <a:t>how we obtain it adopts to the times</a:t>
+            </a:r>
+          </a:p>
+        </p:txBody>
+      </p:sp>
+      <p:pic>
+        <p:nvPicPr>
+          <p:cNvPr id="8" name="Picture 7" descr="Chart, scatter chart&#10;&#10;Description automatically generated">
+            <a:extLst>
+              <a:ext uri="{FF2B5EF4-FFF2-40B4-BE49-F238E27FC236}">
+                <a16:creationId xmlns:a16="http://schemas.microsoft.com/office/drawing/2014/main" id="{A693C84E-05CA-4CE7-905F-9BA762D378EC}"/>
+              </a:ext>
+            </a:extLst>
+          </p:cNvPr>
+          <p:cNvPicPr>
+            <a:picLocks noChangeAspect="1"/>
+          </p:cNvPicPr>
+          <p:nvPr/>
+        </p:nvPicPr>
+        <p:blipFill rotWithShape="1">
+          <a:blip r:embed="rId2">
+            <a:extLst>
+              <a:ext uri="{28A0092B-C50C-407E-A947-70E740481C1C}">
+                <a14:useLocalDpi xmlns:a14="http://schemas.microsoft.com/office/drawing/2010/main" val="0"/>
+              </a:ext>
+            </a:extLst>
+          </a:blip>
+          <a:srcRect b="5464"/>
+          <a:stretch/>
+        </p:blipFill>
+        <p:spPr>
+          <a:xfrm>
+            <a:off x="2586318" y="1854200"/>
+            <a:ext cx="7315200" cy="4385235"/>
+          </a:xfrm>
+          <a:prstGeom prst="rect">
+            <a:avLst/>
+          </a:prstGeom>
+        </p:spPr>
+      </p:pic>
+      <p:sp>
+        <p:nvSpPr>
+          <p:cNvPr id="9" name="TextBox 8">
+            <a:extLst>
+              <a:ext uri="{FF2B5EF4-FFF2-40B4-BE49-F238E27FC236}">
+                <a16:creationId xmlns:a16="http://schemas.microsoft.com/office/drawing/2014/main" id="{B3D36979-E873-4CEE-A490-6A713825EF92}"/>
+              </a:ext>
+            </a:extLst>
+          </p:cNvPr>
+          <p:cNvSpPr txBox="1"/>
+          <p:nvPr/>
+        </p:nvSpPr>
+        <p:spPr>
+          <a:xfrm>
+            <a:off x="3645846" y="6239435"/>
+            <a:ext cx="4511107" cy="307777"/>
+          </a:xfrm>
+          <a:prstGeom prst="rect">
+            <a:avLst/>
+          </a:prstGeom>
+          <a:solidFill>
+            <a:schemeClr val="bg1"/>
+          </a:solidFill>
+        </p:spPr>
+        <p:txBody>
+          <a:bodyPr wrap="none" rtlCol="0">
+            <a:spAutoFit/>
+          </a:bodyPr>
+          <a:lstStyle/>
+          <a:p>
+            <a:r>
+              <a:rPr lang="en-US" sz="1400" b="0" i="1" dirty="0">
+                <a:solidFill>
+                  <a:srgbClr val="333333"/>
+                </a:solidFill>
+                <a:effectLst/>
+                <a:latin typeface="Trebuchet MS" panose="020B0603020202020204" pitchFamily="34" charset="0"/>
+              </a:rPr>
+              <a:t>Source: </a:t>
+            </a:r>
+            <a:r>
+              <a:rPr lang="en-US" sz="1400" b="0" i="1" dirty="0">
+                <a:solidFill>
+                  <a:srgbClr val="333333"/>
+                </a:solidFill>
+                <a:effectLst/>
+                <a:latin typeface="Trebuchet MS" panose="020B0603020202020204" pitchFamily="34" charset="0"/>
+                <a:hlinkClick r:id="rId3"/>
+              </a:rPr>
+              <a:t>tinyurl.com/</a:t>
+            </a:r>
+            <a:r>
+              <a:rPr lang="en-US" sz="1400" b="0" i="1" dirty="0" err="1">
+                <a:solidFill>
+                  <a:srgbClr val="333333"/>
+                </a:solidFill>
+                <a:effectLst/>
+                <a:latin typeface="Trebuchet MS" panose="020B0603020202020204" pitchFamily="34" charset="0"/>
+                <a:hlinkClick r:id="rId3"/>
+              </a:rPr>
+              <a:t>karlruppdata</a:t>
+            </a:r>
+            <a:r>
+              <a:rPr lang="en-US" sz="1400" b="0" i="1" dirty="0">
+                <a:solidFill>
+                  <a:srgbClr val="333333"/>
+                </a:solidFill>
+                <a:effectLst/>
+                <a:latin typeface="Trebuchet MS" panose="020B0603020202020204" pitchFamily="34" charset="0"/>
+              </a:rPr>
+              <a:t> (CC BY 4.0 license)</a:t>
+            </a:r>
+            <a:endParaRPr lang="en-US" sz="1400" dirty="0"/>
+          </a:p>
+        </p:txBody>
+      </p:sp>
+    </p:spTree>
+    <p:extLst>
+      <p:ext uri="{BB962C8B-B14F-4D97-AF65-F5344CB8AC3E}">
+        <p14:creationId xmlns:p14="http://schemas.microsoft.com/office/powerpoint/2010/main" val="1924236894"/>
+      </p:ext>
+    </p:extLst>
+  </p:cSld>
+  <p:clrMapOvr>
+    <a:masterClrMapping/>
+  </p:clrMapOvr>
+</p:sld>
+</file>
+
+<file path=ppt/slides/slide3.xml><?xml version="1.0" encoding="utf-8"?>
+<p:sld xmlns:a="http://schemas.openxmlformats.org/drawingml/2006/main" xmlns:r="http://schemas.openxmlformats.org/officeDocument/2006/relationships" xmlns:p="http://schemas.openxmlformats.org/presentationml/2006/main">
+  <p:cSld>
+    <p:spTree>
+      <p:nvGrpSpPr>
+        <p:cNvPr id="1" name=""/>
+        <p:cNvGrpSpPr/>
+        <p:nvPr/>
+      </p:nvGrpSpPr>
+      <p:grpSpPr>
+        <a:xfrm>
+          <a:off x="0" y="0"/>
+          <a:ext cx="0" cy="0"/>
+          <a:chOff x="0" y="0"/>
+          <a:chExt cx="0" cy="0"/>
+        </a:xfrm>
+      </p:grpSpPr>
+      <p:sp>
+        <p:nvSpPr>
+          <p:cNvPr id="6" name="Title 5">
+            <a:extLst>
+              <a:ext uri="{FF2B5EF4-FFF2-40B4-BE49-F238E27FC236}">
+                <a16:creationId xmlns:a16="http://schemas.microsoft.com/office/drawing/2014/main" id="{0AAFE1BB-E001-45DD-A220-2E90A0EF2E8A}"/>
+              </a:ext>
+            </a:extLst>
+          </p:cNvPr>
+          <p:cNvSpPr>
+            <a:spLocks noGrp="1"/>
+          </p:cNvSpPr>
+          <p:nvPr>
+            <p:ph type="title"/>
+          </p:nvPr>
+        </p:nvSpPr>
+        <p:spPr>
+          <a:xfrm>
+            <a:off x="407894" y="538443"/>
+            <a:ext cx="10515600" cy="1315757"/>
+          </a:xfrm>
+        </p:spPr>
+        <p:txBody>
+          <a:bodyPr>
+            <a:normAutofit/>
+          </a:bodyPr>
+          <a:lstStyle/>
+          <a:p>
+            <a:r>
+              <a:rPr lang="en-US" dirty="0"/>
+              <a:t>Our quest for more performance is eternal;</a:t>
+            </a:r>
+            <a:br>
+              <a:rPr lang="en-US" dirty="0"/>
+            </a:br>
+            <a:r>
+              <a:rPr lang="en-US" dirty="0"/>
+              <a:t>how we obtain it adopts to the times</a:t>
+            </a:r>
+          </a:p>
+        </p:txBody>
+      </p:sp>
+      <p:pic>
+        <p:nvPicPr>
+          <p:cNvPr id="8" name="Picture 7" descr="Chart, scatter chart&#10;&#10;Description automatically generated">
+            <a:extLst>
+              <a:ext uri="{FF2B5EF4-FFF2-40B4-BE49-F238E27FC236}">
+                <a16:creationId xmlns:a16="http://schemas.microsoft.com/office/drawing/2014/main" id="{A693C84E-05CA-4CE7-905F-9BA762D378EC}"/>
+              </a:ext>
+            </a:extLst>
+          </p:cNvPr>
+          <p:cNvPicPr>
+            <a:picLocks noChangeAspect="1"/>
+          </p:cNvPicPr>
+          <p:nvPr/>
+        </p:nvPicPr>
+        <p:blipFill rotWithShape="1">
+          <a:blip r:embed="rId2">
+            <a:extLst>
+              <a:ext uri="{28A0092B-C50C-407E-A947-70E740481C1C}">
+                <a14:useLocalDpi xmlns:a14="http://schemas.microsoft.com/office/drawing/2010/main" val="0"/>
+              </a:ext>
+            </a:extLst>
+          </a:blip>
+          <a:srcRect b="5464"/>
+          <a:stretch/>
+        </p:blipFill>
+        <p:spPr>
+          <a:xfrm>
+            <a:off x="2586318" y="1854200"/>
+            <a:ext cx="7315200" cy="4385235"/>
+          </a:xfrm>
+          <a:prstGeom prst="rect">
+            <a:avLst/>
+          </a:prstGeom>
+        </p:spPr>
+      </p:pic>
+      <p:sp>
+        <p:nvSpPr>
+          <p:cNvPr id="9" name="TextBox 8">
+            <a:extLst>
+              <a:ext uri="{FF2B5EF4-FFF2-40B4-BE49-F238E27FC236}">
+                <a16:creationId xmlns:a16="http://schemas.microsoft.com/office/drawing/2014/main" id="{B3D36979-E873-4CEE-A490-6A713825EF92}"/>
+              </a:ext>
+            </a:extLst>
+          </p:cNvPr>
+          <p:cNvSpPr txBox="1"/>
+          <p:nvPr/>
+        </p:nvSpPr>
+        <p:spPr>
+          <a:xfrm>
+            <a:off x="3645846" y="6239435"/>
+            <a:ext cx="4511107" cy="307777"/>
+          </a:xfrm>
+          <a:prstGeom prst="rect">
+            <a:avLst/>
+          </a:prstGeom>
+          <a:solidFill>
+            <a:schemeClr val="bg1"/>
+          </a:solidFill>
+        </p:spPr>
+        <p:txBody>
+          <a:bodyPr wrap="none" rtlCol="0">
+            <a:spAutoFit/>
+          </a:bodyPr>
+          <a:lstStyle/>
+          <a:p>
+            <a:r>
+              <a:rPr lang="en-US" sz="1400" b="0" i="1" dirty="0">
+                <a:solidFill>
+                  <a:srgbClr val="333333"/>
+                </a:solidFill>
+                <a:effectLst/>
+                <a:latin typeface="Trebuchet MS" panose="020B0603020202020204" pitchFamily="34" charset="0"/>
+              </a:rPr>
+              <a:t>Source: </a:t>
+            </a:r>
+            <a:r>
+              <a:rPr lang="en-US" sz="1400" b="0" i="1" dirty="0">
+                <a:solidFill>
+                  <a:srgbClr val="333333"/>
+                </a:solidFill>
+                <a:effectLst/>
+                <a:latin typeface="Trebuchet MS" panose="020B0603020202020204" pitchFamily="34" charset="0"/>
+                <a:hlinkClick r:id="rId3"/>
+              </a:rPr>
+              <a:t>tinyurl.com/</a:t>
+            </a:r>
+            <a:r>
+              <a:rPr lang="en-US" sz="1400" b="0" i="1" dirty="0" err="1">
+                <a:solidFill>
+                  <a:srgbClr val="333333"/>
+                </a:solidFill>
+                <a:effectLst/>
+                <a:latin typeface="Trebuchet MS" panose="020B0603020202020204" pitchFamily="34" charset="0"/>
+                <a:hlinkClick r:id="rId3"/>
+              </a:rPr>
+              <a:t>karlruppdata</a:t>
+            </a:r>
+            <a:r>
+              <a:rPr lang="en-US" sz="1400" b="0" i="1" dirty="0">
+                <a:solidFill>
+                  <a:srgbClr val="333333"/>
+                </a:solidFill>
+                <a:effectLst/>
+                <a:latin typeface="Trebuchet MS" panose="020B0603020202020204" pitchFamily="34" charset="0"/>
+              </a:rPr>
+              <a:t> (CC BY 4.0 license)</a:t>
+            </a:r>
+            <a:endParaRPr lang="en-US" sz="1400" dirty="0"/>
+          </a:p>
+        </p:txBody>
+      </p:sp>
+      <p:cxnSp>
+        <p:nvCxnSpPr>
+          <p:cNvPr id="3" name="Straight Arrow Connector 2">
+            <a:extLst>
+              <a:ext uri="{FF2B5EF4-FFF2-40B4-BE49-F238E27FC236}">
+                <a16:creationId xmlns:a16="http://schemas.microsoft.com/office/drawing/2014/main" id="{B9E0347C-0FC5-47FC-8985-F7C84AFB55F1}"/>
+              </a:ext>
+            </a:extLst>
+          </p:cNvPr>
+          <p:cNvCxnSpPr/>
+          <p:nvPr/>
+        </p:nvCxnSpPr>
+        <p:spPr>
+          <a:xfrm flipV="1">
+            <a:off x="3205779" y="2076226"/>
+            <a:ext cx="5454127" cy="3076687"/>
+          </a:xfrm>
+          <a:prstGeom prst="straightConnector1">
+            <a:avLst/>
+          </a:prstGeom>
+          <a:ln w="76200">
+            <a:solidFill>
+              <a:srgbClr val="D78433"/>
+            </a:solidFill>
+            <a:tailEnd type="triangle"/>
+          </a:ln>
+        </p:spPr>
+        <p:style>
+          <a:lnRef idx="1">
+            <a:schemeClr val="accent1"/>
+          </a:lnRef>
+          <a:fillRef idx="0">
+            <a:schemeClr val="accent1"/>
+          </a:fillRef>
+          <a:effectRef idx="0">
+            <a:schemeClr val="accent1"/>
+          </a:effectRef>
+          <a:fontRef idx="minor">
+            <a:schemeClr val="tx1"/>
+          </a:fontRef>
+        </p:style>
+      </p:cxnSp>
+    </p:spTree>
+    <p:extLst>
+      <p:ext uri="{BB962C8B-B14F-4D97-AF65-F5344CB8AC3E}">
+        <p14:creationId xmlns:p14="http://schemas.microsoft.com/office/powerpoint/2010/main" val="3918730376"/>
+      </p:ext>
+    </p:extLst>
+  </p:cSld>
+  <p:clrMapOvr>
+    <a:masterClrMapping/>
+  </p:clrMapOvr>
+</p:sld>
+</file>
+
+<file path=ppt/slides/slide4.xml><?xml version="1.0" encoding="utf-8"?>
+<p:sld xmlns:a="http://schemas.openxmlformats.org/drawingml/2006/main" xmlns:r="http://schemas.openxmlformats.org/officeDocument/2006/relationships" xmlns:p="http://schemas.openxmlformats.org/presentationml/2006/main">
+  <p:cSld>
+    <p:spTree>
+      <p:nvGrpSpPr>
+        <p:cNvPr id="1" name=""/>
+        <p:cNvGrpSpPr/>
+        <p:nvPr/>
+      </p:nvGrpSpPr>
+      <p:grpSpPr>
+        <a:xfrm>
+          <a:off x="0" y="0"/>
+          <a:ext cx="0" cy="0"/>
+          <a:chOff x="0" y="0"/>
+          <a:chExt cx="0" cy="0"/>
+        </a:xfrm>
+      </p:grpSpPr>
+      <p:pic>
+        <p:nvPicPr>
+          <p:cNvPr id="8" name="Picture 7" descr="Chart, scatter chart&#10;&#10;Description automatically generated">
+            <a:extLst>
+              <a:ext uri="{FF2B5EF4-FFF2-40B4-BE49-F238E27FC236}">
+                <a16:creationId xmlns:a16="http://schemas.microsoft.com/office/drawing/2014/main" id="{A693C84E-05CA-4CE7-905F-9BA762D378EC}"/>
+              </a:ext>
+            </a:extLst>
+          </p:cNvPr>
+          <p:cNvPicPr>
+            <a:picLocks noChangeAspect="1"/>
+          </p:cNvPicPr>
+          <p:nvPr/>
+        </p:nvPicPr>
+        <p:blipFill rotWithShape="1">
+          <a:blip r:embed="rId2">
+            <a:extLst>
+              <a:ext uri="{28A0092B-C50C-407E-A947-70E740481C1C}">
+                <a14:useLocalDpi xmlns:a14="http://schemas.microsoft.com/office/drawing/2010/main" val="0"/>
+              </a:ext>
+            </a:extLst>
+          </a:blip>
+          <a:srcRect b="5464"/>
+          <a:stretch/>
+        </p:blipFill>
+        <p:spPr>
+          <a:xfrm>
+            <a:off x="2586318" y="1854200"/>
+            <a:ext cx="7315200" cy="4385235"/>
+          </a:xfrm>
+          <a:prstGeom prst="rect">
+            <a:avLst/>
+          </a:prstGeom>
+        </p:spPr>
+      </p:pic>
+      <p:cxnSp>
+        <p:nvCxnSpPr>
+          <p:cNvPr id="33" name="Straight Arrow Connector 32">
+            <a:extLst>
+              <a:ext uri="{FF2B5EF4-FFF2-40B4-BE49-F238E27FC236}">
+                <a16:creationId xmlns:a16="http://schemas.microsoft.com/office/drawing/2014/main" id="{3B70FB67-D043-4EA9-B7E6-7CF8CF381A35}"/>
+              </a:ext>
+            </a:extLst>
+          </p:cNvPr>
+          <p:cNvCxnSpPr/>
+          <p:nvPr/>
+        </p:nvCxnSpPr>
+        <p:spPr>
+          <a:xfrm flipV="1">
+            <a:off x="3205779" y="2076226"/>
+            <a:ext cx="5454127" cy="3076687"/>
+          </a:xfrm>
+          <a:prstGeom prst="straightConnector1">
+            <a:avLst/>
+          </a:prstGeom>
+          <a:ln w="76200">
+            <a:solidFill>
+              <a:srgbClr val="D78433"/>
+            </a:solidFill>
+            <a:tailEnd type="triangle"/>
+          </a:ln>
+        </p:spPr>
+        <p:style>
+          <a:lnRef idx="1">
+            <a:schemeClr val="accent1"/>
+          </a:lnRef>
+          <a:fillRef idx="0">
+            <a:schemeClr val="accent1"/>
+          </a:fillRef>
+          <a:effectRef idx="0">
+            <a:schemeClr val="accent1"/>
+          </a:effectRef>
+          <a:fontRef idx="minor">
+            <a:schemeClr val="tx1"/>
+          </a:fontRef>
+        </p:style>
+      </p:cxnSp>
+      <p:grpSp>
+        <p:nvGrpSpPr>
+          <p:cNvPr id="34" name="Group 33">
+            <a:extLst>
+              <a:ext uri="{FF2B5EF4-FFF2-40B4-BE49-F238E27FC236}">
+                <a16:creationId xmlns:a16="http://schemas.microsoft.com/office/drawing/2014/main" id="{608F1911-4EDD-4C3B-A393-1EBDB70760A7}"/>
+              </a:ext>
+            </a:extLst>
+          </p:cNvPr>
+          <p:cNvGrpSpPr/>
+          <p:nvPr/>
+        </p:nvGrpSpPr>
+        <p:grpSpPr>
+          <a:xfrm>
+            <a:off x="4022413" y="3876907"/>
+            <a:ext cx="4523081" cy="1276008"/>
+            <a:chOff x="4022413" y="3876907"/>
+            <a:chExt cx="4523081" cy="1276008"/>
+          </a:xfrm>
+        </p:grpSpPr>
+        <p:cxnSp>
+          <p:nvCxnSpPr>
+            <p:cNvPr id="35" name="Straight Arrow Connector 34">
+              <a:extLst>
+                <a:ext uri="{FF2B5EF4-FFF2-40B4-BE49-F238E27FC236}">
+                  <a16:creationId xmlns:a16="http://schemas.microsoft.com/office/drawing/2014/main" id="{B6FFAD6E-C8A1-4EC9-882B-1BD19593054D}"/>
+                </a:ext>
+              </a:extLst>
+            </p:cNvPr>
+            <p:cNvCxnSpPr>
+              <a:cxnSpLocks/>
+            </p:cNvCxnSpPr>
+            <p:nvPr/>
+          </p:nvCxnSpPr>
+          <p:spPr>
+            <a:xfrm flipV="1">
+              <a:off x="4022413" y="3876907"/>
+              <a:ext cx="2898777" cy="1276008"/>
+            </a:xfrm>
+            <a:prstGeom prst="straightConnector1">
+              <a:avLst/>
+            </a:prstGeom>
+            <a:ln w="76200">
+              <a:solidFill>
+                <a:srgbClr val="4AAA4A"/>
+              </a:solidFill>
+              <a:tailEnd type="triangle"/>
+            </a:ln>
+          </p:spPr>
+          <p:style>
+            <a:lnRef idx="1">
+              <a:schemeClr val="accent1"/>
+            </a:lnRef>
+            <a:fillRef idx="0">
+              <a:schemeClr val="accent1"/>
+            </a:fillRef>
+            <a:effectRef idx="0">
+              <a:schemeClr val="accent1"/>
+            </a:effectRef>
+            <a:fontRef idx="minor">
+              <a:schemeClr val="tx1"/>
+            </a:fontRef>
+          </p:style>
+        </p:cxnSp>
+        <p:cxnSp>
+          <p:nvCxnSpPr>
+            <p:cNvPr id="36" name="Straight Arrow Connector 35">
+              <a:extLst>
+                <a:ext uri="{FF2B5EF4-FFF2-40B4-BE49-F238E27FC236}">
+                  <a16:creationId xmlns:a16="http://schemas.microsoft.com/office/drawing/2014/main" id="{77E54970-0C74-4FA5-A584-2972DF7C56F0}"/>
+                </a:ext>
+              </a:extLst>
+            </p:cNvPr>
+            <p:cNvCxnSpPr>
+              <a:cxnSpLocks/>
+            </p:cNvCxnSpPr>
+            <p:nvPr/>
+          </p:nvCxnSpPr>
+          <p:spPr>
+            <a:xfrm flipV="1">
+              <a:off x="6921190" y="3876907"/>
+              <a:ext cx="1624304" cy="28701"/>
+            </a:xfrm>
+            <a:prstGeom prst="straightConnector1">
+              <a:avLst/>
+            </a:prstGeom>
+            <a:ln w="76200">
+              <a:solidFill>
+                <a:srgbClr val="4AAA4A"/>
+              </a:solidFill>
+              <a:tailEnd type="triangle"/>
+            </a:ln>
+          </p:spPr>
+          <p:style>
+            <a:lnRef idx="1">
+              <a:schemeClr val="accent1"/>
+            </a:lnRef>
+            <a:fillRef idx="0">
+              <a:schemeClr val="accent1"/>
+            </a:fillRef>
+            <a:effectRef idx="0">
+              <a:schemeClr val="accent1"/>
+            </a:effectRef>
+            <a:fontRef idx="minor">
+              <a:schemeClr val="tx1"/>
+            </a:fontRef>
+          </p:style>
+        </p:cxnSp>
+      </p:grpSp>
+      <p:grpSp>
+        <p:nvGrpSpPr>
+          <p:cNvPr id="37" name="Group 36">
+            <a:extLst>
+              <a:ext uri="{FF2B5EF4-FFF2-40B4-BE49-F238E27FC236}">
+                <a16:creationId xmlns:a16="http://schemas.microsoft.com/office/drawing/2014/main" id="{E49D6B17-CC63-4262-B29C-7FFC49A4EC1B}"/>
+              </a:ext>
+            </a:extLst>
+          </p:cNvPr>
+          <p:cNvGrpSpPr/>
+          <p:nvPr/>
+        </p:nvGrpSpPr>
+        <p:grpSpPr>
+          <a:xfrm>
+            <a:off x="4022413" y="4323505"/>
+            <a:ext cx="4539511" cy="1051435"/>
+            <a:chOff x="4022413" y="4323505"/>
+            <a:chExt cx="4539511" cy="1051435"/>
+          </a:xfrm>
+        </p:grpSpPr>
+        <p:cxnSp>
+          <p:nvCxnSpPr>
+            <p:cNvPr id="38" name="Straight Arrow Connector 37">
+              <a:extLst>
+                <a:ext uri="{FF2B5EF4-FFF2-40B4-BE49-F238E27FC236}">
+                  <a16:creationId xmlns:a16="http://schemas.microsoft.com/office/drawing/2014/main" id="{803D814D-6C5B-4C70-A374-FA5832EF68E5}"/>
+                </a:ext>
+              </a:extLst>
+            </p:cNvPr>
+            <p:cNvCxnSpPr>
+              <a:cxnSpLocks/>
+            </p:cNvCxnSpPr>
+            <p:nvPr/>
+          </p:nvCxnSpPr>
+          <p:spPr>
+            <a:xfrm flipV="1">
+              <a:off x="4022413" y="4416725"/>
+              <a:ext cx="2898777" cy="958215"/>
+            </a:xfrm>
+            <a:prstGeom prst="straightConnector1">
+              <a:avLst/>
+            </a:prstGeom>
+            <a:ln w="76200">
+              <a:solidFill>
+                <a:srgbClr val="CC4242"/>
+              </a:solidFill>
+              <a:tailEnd type="triangle"/>
+            </a:ln>
+          </p:spPr>
+          <p:style>
+            <a:lnRef idx="1">
+              <a:schemeClr val="accent1"/>
+            </a:lnRef>
+            <a:fillRef idx="0">
+              <a:schemeClr val="accent1"/>
+            </a:fillRef>
+            <a:effectRef idx="0">
+              <a:schemeClr val="accent1"/>
+            </a:effectRef>
+            <a:fontRef idx="minor">
+              <a:schemeClr val="tx1"/>
+            </a:fontRef>
+          </p:style>
+        </p:cxnSp>
+        <p:cxnSp>
+          <p:nvCxnSpPr>
+            <p:cNvPr id="39" name="Straight Arrow Connector 38">
+              <a:extLst>
+                <a:ext uri="{FF2B5EF4-FFF2-40B4-BE49-F238E27FC236}">
+                  <a16:creationId xmlns:a16="http://schemas.microsoft.com/office/drawing/2014/main" id="{03F4C733-A825-4640-B3A4-4A172E6B79C5}"/>
+                </a:ext>
+              </a:extLst>
+            </p:cNvPr>
+            <p:cNvCxnSpPr>
+              <a:cxnSpLocks/>
+            </p:cNvCxnSpPr>
+            <p:nvPr/>
+          </p:nvCxnSpPr>
+          <p:spPr>
+            <a:xfrm flipV="1">
+              <a:off x="6921166" y="4323505"/>
+              <a:ext cx="1640758" cy="121922"/>
+            </a:xfrm>
+            <a:prstGeom prst="straightConnector1">
+              <a:avLst/>
+            </a:prstGeom>
+            <a:ln w="76200">
+              <a:solidFill>
+                <a:srgbClr val="CC4242"/>
+              </a:solidFill>
+              <a:tailEnd type="triangle"/>
+            </a:ln>
+          </p:spPr>
+          <p:style>
+            <a:lnRef idx="1">
+              <a:schemeClr val="accent1"/>
+            </a:lnRef>
+            <a:fillRef idx="0">
+              <a:schemeClr val="accent1"/>
+            </a:fillRef>
+            <a:effectRef idx="0">
+              <a:schemeClr val="accent1"/>
+            </a:effectRef>
+            <a:fontRef idx="minor">
+              <a:schemeClr val="tx1"/>
+            </a:fontRef>
+          </p:style>
+        </p:cxnSp>
+      </p:grpSp>
+      <p:sp>
+        <p:nvSpPr>
+          <p:cNvPr id="6" name="Title 5">
+            <a:extLst>
+              <a:ext uri="{FF2B5EF4-FFF2-40B4-BE49-F238E27FC236}">
+                <a16:creationId xmlns:a16="http://schemas.microsoft.com/office/drawing/2014/main" id="{0AAFE1BB-E001-45DD-A220-2E90A0EF2E8A}"/>
+              </a:ext>
+            </a:extLst>
+          </p:cNvPr>
+          <p:cNvSpPr>
+            <a:spLocks noGrp="1"/>
+          </p:cNvSpPr>
+          <p:nvPr>
+            <p:ph type="title"/>
+          </p:nvPr>
+        </p:nvSpPr>
+        <p:spPr>
+          <a:xfrm>
+            <a:off x="407894" y="538443"/>
+            <a:ext cx="10515600" cy="1315757"/>
+          </a:xfrm>
+        </p:spPr>
+        <p:txBody>
+          <a:bodyPr>
+            <a:normAutofit/>
+          </a:bodyPr>
+          <a:lstStyle/>
+          <a:p>
+            <a:r>
+              <a:rPr lang="en-US" dirty="0"/>
+              <a:t>Our quest for more performance is eternal;</a:t>
+            </a:r>
+            <a:br>
+              <a:rPr lang="en-US" dirty="0"/>
+            </a:br>
+            <a:r>
+              <a:rPr lang="en-US" dirty="0"/>
+              <a:t>how we obtain it adopts to the times</a:t>
+            </a:r>
+          </a:p>
+        </p:txBody>
+      </p:sp>
+      <p:grpSp>
+        <p:nvGrpSpPr>
+          <p:cNvPr id="16" name="Group 15">
+            <a:extLst>
+              <a:ext uri="{FF2B5EF4-FFF2-40B4-BE49-F238E27FC236}">
+                <a16:creationId xmlns:a16="http://schemas.microsoft.com/office/drawing/2014/main" id="{6D806C9F-A5F8-4433-B89B-7A82E8A430BC}"/>
+              </a:ext>
+            </a:extLst>
+          </p:cNvPr>
+          <p:cNvGrpSpPr/>
+          <p:nvPr/>
+        </p:nvGrpSpPr>
+        <p:grpSpPr>
+          <a:xfrm>
+            <a:off x="3389470" y="505205"/>
+            <a:ext cx="4011074" cy="3149675"/>
+            <a:chOff x="3389470" y="505205"/>
+            <a:chExt cx="4011074" cy="3149675"/>
+          </a:xfrm>
+        </p:grpSpPr>
+        <p:sp>
+          <p:nvSpPr>
+            <p:cNvPr id="18" name="Arrow: Down 17">
+              <a:extLst>
+                <a:ext uri="{FF2B5EF4-FFF2-40B4-BE49-F238E27FC236}">
+                  <a16:creationId xmlns:a16="http://schemas.microsoft.com/office/drawing/2014/main" id="{C53F3DA3-6B72-4EBB-BFEF-3C7EA0848AD4}"/>
+                </a:ext>
+              </a:extLst>
+            </p:cNvPr>
+            <p:cNvSpPr/>
+            <p:nvPr/>
+          </p:nvSpPr>
+          <p:spPr>
+            <a:xfrm>
+              <a:off x="6388608" y="538443"/>
+              <a:ext cx="1011936" cy="3116437"/>
+            </a:xfrm>
+            <a:prstGeom prst="downArrow">
+              <a:avLst/>
+            </a:prstGeom>
+          </p:spPr>
+          <p:style>
+            <a:lnRef idx="2">
+              <a:schemeClr val="accent1">
+                <a:shade val="50000"/>
+              </a:schemeClr>
+            </a:lnRef>
+            <a:fillRef idx="1">
+              <a:schemeClr val="accent1"/>
+            </a:fillRef>
+            <a:effectRef idx="0">
+              <a:schemeClr val="accent1"/>
+            </a:effectRef>
+            <a:fontRef idx="minor">
+              <a:schemeClr val="lt1"/>
+            </a:fontRef>
+          </p:style>
+          <p:txBody>
+            <a:bodyPr rtlCol="0" anchor="ctr"/>
+            <a:lstStyle/>
+            <a:p>
+              <a:pPr algn="ctr"/>
+              <a:endParaRPr lang="en-US" dirty="0"/>
+            </a:p>
+          </p:txBody>
+        </p:sp>
+        <p:sp>
+          <p:nvSpPr>
+            <p:cNvPr id="19" name="TextBox 18">
+              <a:extLst>
+                <a:ext uri="{FF2B5EF4-FFF2-40B4-BE49-F238E27FC236}">
+                  <a16:creationId xmlns:a16="http://schemas.microsoft.com/office/drawing/2014/main" id="{EFCD2633-DB49-41FC-90BD-FC4254D6C56E}"/>
+                </a:ext>
+              </a:extLst>
+            </p:cNvPr>
+            <p:cNvSpPr txBox="1"/>
+            <p:nvPr/>
+          </p:nvSpPr>
+          <p:spPr>
+            <a:xfrm>
+              <a:off x="3389470" y="505205"/>
+              <a:ext cx="3740319" cy="1138773"/>
+            </a:xfrm>
+            <a:prstGeom prst="rect">
+              <a:avLst/>
+            </a:prstGeom>
+            <a:solidFill>
+              <a:srgbClr val="4472C4"/>
+            </a:solidFill>
+          </p:spPr>
+          <p:txBody>
+            <a:bodyPr wrap="none" rtlCol="0">
+              <a:spAutoFit/>
+            </a:bodyPr>
+            <a:lstStyle/>
+            <a:p>
+              <a:pPr algn="ctr"/>
+              <a:r>
+                <a:rPr lang="en-US" dirty="0">
+                  <a:solidFill>
+                    <a:schemeClr val="bg1"/>
+                  </a:solidFill>
+                </a:rPr>
+                <a:t>The famous</a:t>
+              </a:r>
+            </a:p>
+            <a:p>
+              <a:pPr algn="ctr"/>
+              <a:r>
+                <a:rPr lang="en-US" sz="3200" b="1" dirty="0">
+                  <a:solidFill>
+                    <a:schemeClr val="bg1"/>
+                  </a:solidFill>
+                </a:rPr>
+                <a:t>“Hit the Power Wall”</a:t>
+              </a:r>
+            </a:p>
+            <a:p>
+              <a:pPr algn="ctr"/>
+              <a:r>
+                <a:rPr lang="en-US" dirty="0">
+                  <a:solidFill>
+                    <a:schemeClr val="bg1"/>
+                  </a:solidFill>
+                </a:rPr>
+                <a:t>~2006</a:t>
+              </a:r>
+            </a:p>
+          </p:txBody>
+        </p:sp>
+      </p:grpSp>
+    </p:spTree>
+    <p:extLst>
+      <p:ext uri="{BB962C8B-B14F-4D97-AF65-F5344CB8AC3E}">
+        <p14:creationId xmlns:p14="http://schemas.microsoft.com/office/powerpoint/2010/main" val="3950955654"/>
+      </p:ext>
+    </p:extLst>
+  </p:cSld>
+  <p:clrMapOvr>
+    <a:masterClrMapping/>
+  </p:clrMapOvr>
+</p:sld>
+</file>
+
+<file path=ppt/slides/slide5.xml><?xml version="1.0" encoding="utf-8"?>
+<p:sld xmlns:a="http://schemas.openxmlformats.org/drawingml/2006/main" xmlns:r="http://schemas.openxmlformats.org/officeDocument/2006/relationships" xmlns:p="http://schemas.openxmlformats.org/presentationml/2006/main">
+  <p:cSld>
+    <p:spTree>
+      <p:nvGrpSpPr>
+        <p:cNvPr id="1" name=""/>
+        <p:cNvGrpSpPr/>
+        <p:nvPr/>
+      </p:nvGrpSpPr>
+      <p:grpSpPr>
+        <a:xfrm>
+          <a:off x="0" y="0"/>
+          <a:ext cx="0" cy="0"/>
+          <a:chOff x="0" y="0"/>
+          <a:chExt cx="0" cy="0"/>
+        </a:xfrm>
+      </p:grpSpPr>
+      <p:pic>
+        <p:nvPicPr>
+          <p:cNvPr id="8" name="Picture 7" descr="Chart, scatter chart&#10;&#10;Description automatically generated">
+            <a:extLst>
+              <a:ext uri="{FF2B5EF4-FFF2-40B4-BE49-F238E27FC236}">
+                <a16:creationId xmlns:a16="http://schemas.microsoft.com/office/drawing/2014/main" id="{A693C84E-05CA-4CE7-905F-9BA762D378EC}"/>
+              </a:ext>
+            </a:extLst>
+          </p:cNvPr>
+          <p:cNvPicPr>
+            <a:picLocks noChangeAspect="1"/>
+          </p:cNvPicPr>
+          <p:nvPr/>
+        </p:nvPicPr>
+        <p:blipFill rotWithShape="1">
+          <a:blip r:embed="rId2">
+            <a:extLst>
+              <a:ext uri="{28A0092B-C50C-407E-A947-70E740481C1C}">
+                <a14:useLocalDpi xmlns:a14="http://schemas.microsoft.com/office/drawing/2010/main" val="0"/>
+              </a:ext>
+            </a:extLst>
+          </a:blip>
+          <a:srcRect b="5464"/>
+          <a:stretch/>
+        </p:blipFill>
+        <p:spPr>
+          <a:xfrm>
+            <a:off x="2586318" y="1854200"/>
+            <a:ext cx="7315200" cy="4385235"/>
+          </a:xfrm>
+          <a:prstGeom prst="rect">
+            <a:avLst/>
+          </a:prstGeom>
+        </p:spPr>
+      </p:pic>
+      <p:cxnSp>
+        <p:nvCxnSpPr>
+          <p:cNvPr id="33" name="Straight Arrow Connector 32">
+            <a:extLst>
+              <a:ext uri="{FF2B5EF4-FFF2-40B4-BE49-F238E27FC236}">
+                <a16:creationId xmlns:a16="http://schemas.microsoft.com/office/drawing/2014/main" id="{3B70FB67-D043-4EA9-B7E6-7CF8CF381A35}"/>
+              </a:ext>
+            </a:extLst>
+          </p:cNvPr>
+          <p:cNvCxnSpPr/>
+          <p:nvPr/>
+        </p:nvCxnSpPr>
+        <p:spPr>
+          <a:xfrm flipV="1">
+            <a:off x="3205779" y="2076226"/>
+            <a:ext cx="5454127" cy="3076687"/>
+          </a:xfrm>
+          <a:prstGeom prst="straightConnector1">
+            <a:avLst/>
+          </a:prstGeom>
+          <a:ln w="76200">
+            <a:solidFill>
+              <a:srgbClr val="D78433"/>
+            </a:solidFill>
+            <a:tailEnd type="triangle"/>
+          </a:ln>
+        </p:spPr>
+        <p:style>
+          <a:lnRef idx="1">
+            <a:schemeClr val="accent1"/>
+          </a:lnRef>
+          <a:fillRef idx="0">
+            <a:schemeClr val="accent1"/>
+          </a:fillRef>
+          <a:effectRef idx="0">
+            <a:schemeClr val="accent1"/>
+          </a:effectRef>
+          <a:fontRef idx="minor">
+            <a:schemeClr val="tx1"/>
+          </a:fontRef>
+        </p:style>
+      </p:cxnSp>
+      <p:grpSp>
+        <p:nvGrpSpPr>
+          <p:cNvPr id="34" name="Group 33">
+            <a:extLst>
+              <a:ext uri="{FF2B5EF4-FFF2-40B4-BE49-F238E27FC236}">
+                <a16:creationId xmlns:a16="http://schemas.microsoft.com/office/drawing/2014/main" id="{608F1911-4EDD-4C3B-A393-1EBDB70760A7}"/>
+              </a:ext>
+            </a:extLst>
+          </p:cNvPr>
+          <p:cNvGrpSpPr/>
+          <p:nvPr/>
+        </p:nvGrpSpPr>
+        <p:grpSpPr>
+          <a:xfrm>
+            <a:off x="4022413" y="3876907"/>
+            <a:ext cx="4523081" cy="1276008"/>
+            <a:chOff x="4022413" y="3876907"/>
+            <a:chExt cx="4523081" cy="1276008"/>
+          </a:xfrm>
+        </p:grpSpPr>
+        <p:cxnSp>
+          <p:nvCxnSpPr>
+            <p:cNvPr id="35" name="Straight Arrow Connector 34">
+              <a:extLst>
+                <a:ext uri="{FF2B5EF4-FFF2-40B4-BE49-F238E27FC236}">
+                  <a16:creationId xmlns:a16="http://schemas.microsoft.com/office/drawing/2014/main" id="{B6FFAD6E-C8A1-4EC9-882B-1BD19593054D}"/>
+                </a:ext>
+              </a:extLst>
+            </p:cNvPr>
+            <p:cNvCxnSpPr>
+              <a:cxnSpLocks/>
+            </p:cNvCxnSpPr>
+            <p:nvPr/>
+          </p:nvCxnSpPr>
+          <p:spPr>
+            <a:xfrm flipV="1">
+              <a:off x="4022413" y="3876907"/>
+              <a:ext cx="2898777" cy="1276008"/>
+            </a:xfrm>
+            <a:prstGeom prst="straightConnector1">
+              <a:avLst/>
+            </a:prstGeom>
+            <a:ln w="76200">
+              <a:solidFill>
+                <a:srgbClr val="4AAA4A"/>
+              </a:solidFill>
+              <a:tailEnd type="triangle"/>
+            </a:ln>
+          </p:spPr>
+          <p:style>
+            <a:lnRef idx="1">
+              <a:schemeClr val="accent1"/>
+            </a:lnRef>
+            <a:fillRef idx="0">
+              <a:schemeClr val="accent1"/>
+            </a:fillRef>
+            <a:effectRef idx="0">
+              <a:schemeClr val="accent1"/>
+            </a:effectRef>
+            <a:fontRef idx="minor">
+              <a:schemeClr val="tx1"/>
+            </a:fontRef>
+          </p:style>
+        </p:cxnSp>
+        <p:cxnSp>
+          <p:nvCxnSpPr>
+            <p:cNvPr id="36" name="Straight Arrow Connector 35">
+              <a:extLst>
+                <a:ext uri="{FF2B5EF4-FFF2-40B4-BE49-F238E27FC236}">
+                  <a16:creationId xmlns:a16="http://schemas.microsoft.com/office/drawing/2014/main" id="{77E54970-0C74-4FA5-A584-2972DF7C56F0}"/>
+                </a:ext>
+              </a:extLst>
+            </p:cNvPr>
+            <p:cNvCxnSpPr>
+              <a:cxnSpLocks/>
+            </p:cNvCxnSpPr>
+            <p:nvPr/>
+          </p:nvCxnSpPr>
+          <p:spPr>
+            <a:xfrm flipV="1">
+              <a:off x="6921190" y="3876907"/>
+              <a:ext cx="1624304" cy="28701"/>
+            </a:xfrm>
+            <a:prstGeom prst="straightConnector1">
+              <a:avLst/>
+            </a:prstGeom>
+            <a:ln w="76200">
+              <a:solidFill>
+                <a:srgbClr val="4AAA4A"/>
+              </a:solidFill>
+              <a:tailEnd type="triangle"/>
+            </a:ln>
+          </p:spPr>
+          <p:style>
+            <a:lnRef idx="1">
+              <a:schemeClr val="accent1"/>
+            </a:lnRef>
+            <a:fillRef idx="0">
+              <a:schemeClr val="accent1"/>
+            </a:fillRef>
+            <a:effectRef idx="0">
+              <a:schemeClr val="accent1"/>
+            </a:effectRef>
+            <a:fontRef idx="minor">
+              <a:schemeClr val="tx1"/>
+            </a:fontRef>
+          </p:style>
+        </p:cxnSp>
+      </p:grpSp>
+      <p:grpSp>
+        <p:nvGrpSpPr>
+          <p:cNvPr id="37" name="Group 36">
+            <a:extLst>
+              <a:ext uri="{FF2B5EF4-FFF2-40B4-BE49-F238E27FC236}">
+                <a16:creationId xmlns:a16="http://schemas.microsoft.com/office/drawing/2014/main" id="{E49D6B17-CC63-4262-B29C-7FFC49A4EC1B}"/>
+              </a:ext>
+            </a:extLst>
+          </p:cNvPr>
+          <p:cNvGrpSpPr/>
+          <p:nvPr/>
+        </p:nvGrpSpPr>
+        <p:grpSpPr>
+          <a:xfrm>
+            <a:off x="4022413" y="4323505"/>
+            <a:ext cx="4539511" cy="1051435"/>
+            <a:chOff x="4022413" y="4323505"/>
+            <a:chExt cx="4539511" cy="1051435"/>
+          </a:xfrm>
+        </p:grpSpPr>
+        <p:cxnSp>
+          <p:nvCxnSpPr>
+            <p:cNvPr id="38" name="Straight Arrow Connector 37">
+              <a:extLst>
+                <a:ext uri="{FF2B5EF4-FFF2-40B4-BE49-F238E27FC236}">
+                  <a16:creationId xmlns:a16="http://schemas.microsoft.com/office/drawing/2014/main" id="{803D814D-6C5B-4C70-A374-FA5832EF68E5}"/>
+                </a:ext>
+              </a:extLst>
+            </p:cNvPr>
+            <p:cNvCxnSpPr>
+              <a:cxnSpLocks/>
+            </p:cNvCxnSpPr>
+            <p:nvPr/>
+          </p:nvCxnSpPr>
+          <p:spPr>
+            <a:xfrm flipV="1">
+              <a:off x="4022413" y="4416725"/>
+              <a:ext cx="2898777" cy="958215"/>
+            </a:xfrm>
+            <a:prstGeom prst="straightConnector1">
+              <a:avLst/>
+            </a:prstGeom>
+            <a:ln w="76200">
+              <a:solidFill>
+                <a:srgbClr val="CC4242"/>
+              </a:solidFill>
+              <a:tailEnd type="triangle"/>
+            </a:ln>
+          </p:spPr>
+          <p:style>
+            <a:lnRef idx="1">
+              <a:schemeClr val="accent1"/>
+            </a:lnRef>
+            <a:fillRef idx="0">
+              <a:schemeClr val="accent1"/>
+            </a:fillRef>
+            <a:effectRef idx="0">
+              <a:schemeClr val="accent1"/>
+            </a:effectRef>
+            <a:fontRef idx="minor">
+              <a:schemeClr val="tx1"/>
+            </a:fontRef>
+          </p:style>
+        </p:cxnSp>
+        <p:cxnSp>
+          <p:nvCxnSpPr>
+            <p:cNvPr id="39" name="Straight Arrow Connector 38">
+              <a:extLst>
+                <a:ext uri="{FF2B5EF4-FFF2-40B4-BE49-F238E27FC236}">
+                  <a16:creationId xmlns:a16="http://schemas.microsoft.com/office/drawing/2014/main" id="{03F4C733-A825-4640-B3A4-4A172E6B79C5}"/>
+                </a:ext>
+              </a:extLst>
+            </p:cNvPr>
+            <p:cNvCxnSpPr>
+              <a:cxnSpLocks/>
+            </p:cNvCxnSpPr>
+            <p:nvPr/>
+          </p:nvCxnSpPr>
+          <p:spPr>
+            <a:xfrm flipV="1">
+              <a:off x="6921166" y="4323505"/>
+              <a:ext cx="1640758" cy="121922"/>
+            </a:xfrm>
+            <a:prstGeom prst="straightConnector1">
+              <a:avLst/>
+            </a:prstGeom>
+            <a:ln w="76200">
+              <a:solidFill>
+                <a:srgbClr val="CC4242"/>
+              </a:solidFill>
+              <a:tailEnd type="triangle"/>
+            </a:ln>
+          </p:spPr>
+          <p:style>
+            <a:lnRef idx="1">
+              <a:schemeClr val="accent1"/>
+            </a:lnRef>
+            <a:fillRef idx="0">
+              <a:schemeClr val="accent1"/>
+            </a:fillRef>
+            <a:effectRef idx="0">
+              <a:schemeClr val="accent1"/>
+            </a:effectRef>
+            <a:fontRef idx="minor">
+              <a:schemeClr val="tx1"/>
+            </a:fontRef>
+          </p:style>
+        </p:cxnSp>
+      </p:grpSp>
+      <p:sp>
+        <p:nvSpPr>
+          <p:cNvPr id="6" name="Title 5">
+            <a:extLst>
+              <a:ext uri="{FF2B5EF4-FFF2-40B4-BE49-F238E27FC236}">
+                <a16:creationId xmlns:a16="http://schemas.microsoft.com/office/drawing/2014/main" id="{0AAFE1BB-E001-45DD-A220-2E90A0EF2E8A}"/>
+              </a:ext>
+            </a:extLst>
+          </p:cNvPr>
+          <p:cNvSpPr>
+            <a:spLocks noGrp="1"/>
+          </p:cNvSpPr>
+          <p:nvPr>
+            <p:ph type="title"/>
+          </p:nvPr>
+        </p:nvSpPr>
+        <p:spPr>
+          <a:xfrm>
+            <a:off x="407894" y="538443"/>
+            <a:ext cx="10515600" cy="1315757"/>
+          </a:xfrm>
+        </p:spPr>
+        <p:txBody>
+          <a:bodyPr>
+            <a:normAutofit/>
+          </a:bodyPr>
+          <a:lstStyle/>
+          <a:p>
+            <a:r>
+              <a:rPr lang="en-US" dirty="0"/>
+              <a:t>Our quest for more performance is eternal;</a:t>
+            </a:r>
+            <a:br>
+              <a:rPr lang="en-US" dirty="0"/>
+            </a:br>
+            <a:r>
+              <a:rPr lang="en-US" dirty="0"/>
+              <a:t>how we obtain it adopts to the times</a:t>
+            </a:r>
+          </a:p>
+        </p:txBody>
+      </p:sp>
+      <p:grpSp>
+        <p:nvGrpSpPr>
+          <p:cNvPr id="16" name="Group 15">
+            <a:extLst>
+              <a:ext uri="{FF2B5EF4-FFF2-40B4-BE49-F238E27FC236}">
+                <a16:creationId xmlns:a16="http://schemas.microsoft.com/office/drawing/2014/main" id="{6D806C9F-A5F8-4433-B89B-7A82E8A430BC}"/>
+              </a:ext>
+            </a:extLst>
+          </p:cNvPr>
+          <p:cNvGrpSpPr/>
+          <p:nvPr/>
+        </p:nvGrpSpPr>
+        <p:grpSpPr>
+          <a:xfrm>
+            <a:off x="3389470" y="505205"/>
+            <a:ext cx="4011074" cy="3149675"/>
+            <a:chOff x="3389470" y="505205"/>
+            <a:chExt cx="4011074" cy="3149675"/>
+          </a:xfrm>
+        </p:grpSpPr>
+        <p:sp>
+          <p:nvSpPr>
+            <p:cNvPr id="18" name="Arrow: Down 17">
+              <a:extLst>
+                <a:ext uri="{FF2B5EF4-FFF2-40B4-BE49-F238E27FC236}">
+                  <a16:creationId xmlns:a16="http://schemas.microsoft.com/office/drawing/2014/main" id="{C53F3DA3-6B72-4EBB-BFEF-3C7EA0848AD4}"/>
+                </a:ext>
+              </a:extLst>
+            </p:cNvPr>
+            <p:cNvSpPr/>
+            <p:nvPr/>
+          </p:nvSpPr>
+          <p:spPr>
+            <a:xfrm>
+              <a:off x="6388608" y="538443"/>
+              <a:ext cx="1011936" cy="3116437"/>
+            </a:xfrm>
+            <a:prstGeom prst="downArrow">
+              <a:avLst/>
+            </a:prstGeom>
+          </p:spPr>
+          <p:style>
+            <a:lnRef idx="2">
+              <a:schemeClr val="accent1">
+                <a:shade val="50000"/>
+              </a:schemeClr>
+            </a:lnRef>
+            <a:fillRef idx="1">
+              <a:schemeClr val="accent1"/>
+            </a:fillRef>
+            <a:effectRef idx="0">
+              <a:schemeClr val="accent1"/>
+            </a:effectRef>
+            <a:fontRef idx="minor">
+              <a:schemeClr val="lt1"/>
+            </a:fontRef>
+          </p:style>
+          <p:txBody>
+            <a:bodyPr rtlCol="0" anchor="ctr"/>
+            <a:lstStyle/>
+            <a:p>
+              <a:pPr algn="ctr"/>
+              <a:endParaRPr lang="en-US" dirty="0"/>
+            </a:p>
+          </p:txBody>
+        </p:sp>
+        <p:sp>
+          <p:nvSpPr>
+            <p:cNvPr id="19" name="TextBox 18">
+              <a:extLst>
+                <a:ext uri="{FF2B5EF4-FFF2-40B4-BE49-F238E27FC236}">
+                  <a16:creationId xmlns:a16="http://schemas.microsoft.com/office/drawing/2014/main" id="{EFCD2633-DB49-41FC-90BD-FC4254D6C56E}"/>
+                </a:ext>
+              </a:extLst>
+            </p:cNvPr>
+            <p:cNvSpPr txBox="1"/>
+            <p:nvPr/>
+          </p:nvSpPr>
+          <p:spPr>
+            <a:xfrm>
+              <a:off x="3389470" y="505205"/>
+              <a:ext cx="3740319" cy="1138773"/>
+            </a:xfrm>
+            <a:prstGeom prst="rect">
+              <a:avLst/>
+            </a:prstGeom>
+            <a:solidFill>
+              <a:srgbClr val="4472C4"/>
+            </a:solidFill>
+          </p:spPr>
+          <p:txBody>
+            <a:bodyPr wrap="none" rtlCol="0">
+              <a:spAutoFit/>
+            </a:bodyPr>
+            <a:lstStyle/>
+            <a:p>
+              <a:pPr algn="ctr"/>
+              <a:r>
+                <a:rPr lang="en-US" dirty="0">
+                  <a:solidFill>
+                    <a:schemeClr val="bg1"/>
+                  </a:solidFill>
+                </a:rPr>
+                <a:t>The famous</a:t>
+              </a:r>
+            </a:p>
+            <a:p>
+              <a:pPr algn="ctr"/>
+              <a:r>
+                <a:rPr lang="en-US" sz="3200" b="1" dirty="0">
+                  <a:solidFill>
+                    <a:schemeClr val="bg1"/>
+                  </a:solidFill>
+                </a:rPr>
+                <a:t>“Hit the Power Wall”</a:t>
+              </a:r>
+            </a:p>
+            <a:p>
+              <a:pPr algn="ctr"/>
+              <a:r>
+                <a:rPr lang="en-US" dirty="0">
+                  <a:solidFill>
+                    <a:schemeClr val="bg1"/>
+                  </a:solidFill>
+                </a:rPr>
+                <a:t>~2006</a:t>
+              </a:r>
+            </a:p>
+          </p:txBody>
+        </p:sp>
+      </p:grpSp>
+      <p:sp>
+        <p:nvSpPr>
+          <p:cNvPr id="21" name="TextBox 20">
+            <a:extLst>
+              <a:ext uri="{FF2B5EF4-FFF2-40B4-BE49-F238E27FC236}">
+                <a16:creationId xmlns:a16="http://schemas.microsoft.com/office/drawing/2014/main" id="{94CFD48D-59EF-4CE7-B20D-CB68AAA77FD0}"/>
+              </a:ext>
+            </a:extLst>
+          </p:cNvPr>
+          <p:cNvSpPr txBox="1"/>
+          <p:nvPr/>
+        </p:nvSpPr>
+        <p:spPr>
+          <a:xfrm>
+            <a:off x="2338052" y="1808220"/>
+            <a:ext cx="2921577" cy="3693319"/>
+          </a:xfrm>
+          <a:prstGeom prst="rect">
+            <a:avLst/>
+          </a:prstGeom>
+          <a:solidFill>
+            <a:srgbClr val="4472C4"/>
+          </a:solidFill>
+          <a:ln w="57150">
+            <a:solidFill>
+              <a:schemeClr val="tx1"/>
+            </a:solidFill>
+          </a:ln>
+        </p:spPr>
+        <p:txBody>
+          <a:bodyPr wrap="square" rtlCol="0">
+            <a:spAutoFit/>
+          </a:bodyPr>
+          <a:lstStyle/>
+          <a:p>
+            <a:pPr algn="ctr"/>
+            <a:r>
+              <a:rPr lang="en-US" dirty="0">
+                <a:solidFill>
+                  <a:schemeClr val="bg1"/>
+                </a:solidFill>
+              </a:rPr>
+              <a:t>Why?</a:t>
+            </a:r>
+          </a:p>
+          <a:p>
+            <a:pPr algn="ctr"/>
+            <a:endParaRPr lang="en-US" dirty="0">
+              <a:solidFill>
+                <a:schemeClr val="bg1"/>
+              </a:solidFill>
+            </a:endParaRPr>
+          </a:p>
+          <a:p>
+            <a:pPr algn="ctr"/>
+            <a:r>
+              <a:rPr lang="en-US" dirty="0">
+                <a:solidFill>
+                  <a:schemeClr val="bg1"/>
+                </a:solidFill>
+              </a:rPr>
+              <a:t>Performance stopped scaling with frequency </a:t>
+            </a:r>
+            <a:r>
+              <a:rPr lang="en-US" i="1" dirty="0">
+                <a:solidFill>
+                  <a:schemeClr val="bg1"/>
+                </a:solidFill>
+              </a:rPr>
+              <a:t>enough</a:t>
+            </a:r>
+            <a:r>
+              <a:rPr lang="en-US" dirty="0">
+                <a:solidFill>
+                  <a:schemeClr val="bg1"/>
+                </a:solidFill>
+              </a:rPr>
+              <a:t> to justify the power increases.</a:t>
+            </a:r>
+          </a:p>
+          <a:p>
+            <a:pPr algn="ctr"/>
+            <a:endParaRPr lang="en-US" dirty="0">
+              <a:solidFill>
+                <a:schemeClr val="bg1"/>
+              </a:solidFill>
+            </a:endParaRPr>
+          </a:p>
+          <a:p>
+            <a:pPr algn="ctr"/>
+            <a:r>
+              <a:rPr lang="en-US" dirty="0">
+                <a:solidFill>
+                  <a:schemeClr val="bg1"/>
+                </a:solidFill>
+              </a:rPr>
+              <a:t>Before 2006:  Double Perf = Double Performance; that used to be OKAY</a:t>
+            </a:r>
+          </a:p>
+          <a:p>
+            <a:pPr algn="ctr"/>
+            <a:r>
+              <a:rPr lang="en-US" dirty="0">
+                <a:solidFill>
+                  <a:schemeClr val="bg1"/>
+                </a:solidFill>
+              </a:rPr>
+              <a:t>(actual math: Double Frequency, Quadrupled Power – but Shrink in Half to Halve the Power)</a:t>
+            </a:r>
+          </a:p>
+        </p:txBody>
+      </p:sp>
+    </p:spTree>
+    <p:extLst>
+      <p:ext uri="{BB962C8B-B14F-4D97-AF65-F5344CB8AC3E}">
+        <p14:creationId xmlns:p14="http://schemas.microsoft.com/office/powerpoint/2010/main" val="3642672660"/>
+      </p:ext>
+    </p:extLst>
+  </p:cSld>
+  <p:clrMapOvr>
+    <a:masterClrMapping/>
+  </p:clrMapOvr>
+</p:sld>
+</file>
+
+<file path=ppt/slides/slide6.xml><?xml version="1.0" encoding="utf-8"?>
+<p:sld xmlns:a="http://schemas.openxmlformats.org/drawingml/2006/main" xmlns:r="http://schemas.openxmlformats.org/officeDocument/2006/relationships" xmlns:p="http://schemas.openxmlformats.org/presentationml/2006/main">
+  <p:cSld>
+    <p:spTree>
+      <p:nvGrpSpPr>
+        <p:cNvPr id="1" name=""/>
+        <p:cNvGrpSpPr/>
+        <p:nvPr/>
+      </p:nvGrpSpPr>
+      <p:grpSpPr>
+        <a:xfrm>
+          <a:off x="0" y="0"/>
+          <a:ext cx="0" cy="0"/>
+          <a:chOff x="0" y="0"/>
+          <a:chExt cx="0" cy="0"/>
+        </a:xfrm>
+      </p:grpSpPr>
+      <p:pic>
+        <p:nvPicPr>
+          <p:cNvPr id="8" name="Picture 7" descr="Chart, scatter chart&#10;&#10;Description automatically generated">
+            <a:extLst>
+              <a:ext uri="{FF2B5EF4-FFF2-40B4-BE49-F238E27FC236}">
+                <a16:creationId xmlns:a16="http://schemas.microsoft.com/office/drawing/2014/main" id="{A693C84E-05CA-4CE7-905F-9BA762D378EC}"/>
+              </a:ext>
+            </a:extLst>
+          </p:cNvPr>
+          <p:cNvPicPr>
+            <a:picLocks noChangeAspect="1"/>
+          </p:cNvPicPr>
+          <p:nvPr/>
+        </p:nvPicPr>
+        <p:blipFill rotWithShape="1">
+          <a:blip r:embed="rId2">
+            <a:extLst>
+              <a:ext uri="{28A0092B-C50C-407E-A947-70E740481C1C}">
+                <a14:useLocalDpi xmlns:a14="http://schemas.microsoft.com/office/drawing/2010/main" val="0"/>
+              </a:ext>
+            </a:extLst>
+          </a:blip>
+          <a:srcRect b="5464"/>
+          <a:stretch/>
+        </p:blipFill>
+        <p:spPr>
+          <a:xfrm>
+            <a:off x="2586318" y="1854200"/>
+            <a:ext cx="7315200" cy="4385235"/>
+          </a:xfrm>
+          <a:prstGeom prst="rect">
+            <a:avLst/>
+          </a:prstGeom>
+        </p:spPr>
+      </p:pic>
+      <p:cxnSp>
+        <p:nvCxnSpPr>
+          <p:cNvPr id="33" name="Straight Arrow Connector 32">
+            <a:extLst>
+              <a:ext uri="{FF2B5EF4-FFF2-40B4-BE49-F238E27FC236}">
+                <a16:creationId xmlns:a16="http://schemas.microsoft.com/office/drawing/2014/main" id="{3B70FB67-D043-4EA9-B7E6-7CF8CF381A35}"/>
+              </a:ext>
+            </a:extLst>
+          </p:cNvPr>
+          <p:cNvCxnSpPr/>
+          <p:nvPr/>
+        </p:nvCxnSpPr>
+        <p:spPr>
+          <a:xfrm flipV="1">
+            <a:off x="3205779" y="2076226"/>
+            <a:ext cx="5454127" cy="3076687"/>
+          </a:xfrm>
+          <a:prstGeom prst="straightConnector1">
+            <a:avLst/>
+          </a:prstGeom>
+          <a:ln w="76200">
+            <a:solidFill>
+              <a:srgbClr val="D78433"/>
+            </a:solidFill>
+            <a:tailEnd type="triangle"/>
+          </a:ln>
+        </p:spPr>
+        <p:style>
+          <a:lnRef idx="1">
+            <a:schemeClr val="accent1"/>
+          </a:lnRef>
+          <a:fillRef idx="0">
+            <a:schemeClr val="accent1"/>
+          </a:fillRef>
+          <a:effectRef idx="0">
+            <a:schemeClr val="accent1"/>
+          </a:effectRef>
+          <a:fontRef idx="minor">
+            <a:schemeClr val="tx1"/>
+          </a:fontRef>
+        </p:style>
+      </p:cxnSp>
+      <p:grpSp>
+        <p:nvGrpSpPr>
+          <p:cNvPr id="34" name="Group 33">
+            <a:extLst>
+              <a:ext uri="{FF2B5EF4-FFF2-40B4-BE49-F238E27FC236}">
+                <a16:creationId xmlns:a16="http://schemas.microsoft.com/office/drawing/2014/main" id="{608F1911-4EDD-4C3B-A393-1EBDB70760A7}"/>
+              </a:ext>
+            </a:extLst>
+          </p:cNvPr>
+          <p:cNvGrpSpPr/>
+          <p:nvPr/>
+        </p:nvGrpSpPr>
+        <p:grpSpPr>
+          <a:xfrm>
+            <a:off x="4022413" y="3876907"/>
+            <a:ext cx="4523081" cy="1276008"/>
+            <a:chOff x="4022413" y="3876907"/>
+            <a:chExt cx="4523081" cy="1276008"/>
+          </a:xfrm>
+        </p:grpSpPr>
+        <p:cxnSp>
+          <p:nvCxnSpPr>
+            <p:cNvPr id="35" name="Straight Arrow Connector 34">
+              <a:extLst>
+                <a:ext uri="{FF2B5EF4-FFF2-40B4-BE49-F238E27FC236}">
+                  <a16:creationId xmlns:a16="http://schemas.microsoft.com/office/drawing/2014/main" id="{B6FFAD6E-C8A1-4EC9-882B-1BD19593054D}"/>
+                </a:ext>
+              </a:extLst>
+            </p:cNvPr>
+            <p:cNvCxnSpPr>
+              <a:cxnSpLocks/>
+            </p:cNvCxnSpPr>
+            <p:nvPr/>
+          </p:nvCxnSpPr>
+          <p:spPr>
+            <a:xfrm flipV="1">
+              <a:off x="4022413" y="3876907"/>
+              <a:ext cx="2898777" cy="1276008"/>
+            </a:xfrm>
+            <a:prstGeom prst="straightConnector1">
+              <a:avLst/>
+            </a:prstGeom>
+            <a:ln w="76200">
+              <a:solidFill>
+                <a:srgbClr val="4AAA4A"/>
+              </a:solidFill>
+              <a:tailEnd type="triangle"/>
+            </a:ln>
+          </p:spPr>
+          <p:style>
+            <a:lnRef idx="1">
+              <a:schemeClr val="accent1"/>
+            </a:lnRef>
+            <a:fillRef idx="0">
+              <a:schemeClr val="accent1"/>
+            </a:fillRef>
+            <a:effectRef idx="0">
+              <a:schemeClr val="accent1"/>
+            </a:effectRef>
+            <a:fontRef idx="minor">
+              <a:schemeClr val="tx1"/>
+            </a:fontRef>
+          </p:style>
+        </p:cxnSp>
+        <p:cxnSp>
+          <p:nvCxnSpPr>
+            <p:cNvPr id="36" name="Straight Arrow Connector 35">
+              <a:extLst>
+                <a:ext uri="{FF2B5EF4-FFF2-40B4-BE49-F238E27FC236}">
+                  <a16:creationId xmlns:a16="http://schemas.microsoft.com/office/drawing/2014/main" id="{77E54970-0C74-4FA5-A584-2972DF7C56F0}"/>
+                </a:ext>
+              </a:extLst>
+            </p:cNvPr>
+            <p:cNvCxnSpPr>
+              <a:cxnSpLocks/>
+            </p:cNvCxnSpPr>
+            <p:nvPr/>
+          </p:nvCxnSpPr>
+          <p:spPr>
+            <a:xfrm flipV="1">
+              <a:off x="6921190" y="3876907"/>
+              <a:ext cx="1624304" cy="28701"/>
+            </a:xfrm>
+            <a:prstGeom prst="straightConnector1">
+              <a:avLst/>
+            </a:prstGeom>
+            <a:ln w="76200">
+              <a:solidFill>
+                <a:srgbClr val="4AAA4A"/>
+              </a:solidFill>
+              <a:tailEnd type="triangle"/>
+            </a:ln>
+          </p:spPr>
+          <p:style>
+            <a:lnRef idx="1">
+              <a:schemeClr val="accent1"/>
+            </a:lnRef>
+            <a:fillRef idx="0">
+              <a:schemeClr val="accent1"/>
+            </a:fillRef>
+            <a:effectRef idx="0">
+              <a:schemeClr val="accent1"/>
+            </a:effectRef>
+            <a:fontRef idx="minor">
+              <a:schemeClr val="tx1"/>
+            </a:fontRef>
+          </p:style>
+        </p:cxnSp>
+      </p:grpSp>
+      <p:grpSp>
+        <p:nvGrpSpPr>
+          <p:cNvPr id="37" name="Group 36">
+            <a:extLst>
+              <a:ext uri="{FF2B5EF4-FFF2-40B4-BE49-F238E27FC236}">
+                <a16:creationId xmlns:a16="http://schemas.microsoft.com/office/drawing/2014/main" id="{E49D6B17-CC63-4262-B29C-7FFC49A4EC1B}"/>
+              </a:ext>
+            </a:extLst>
+          </p:cNvPr>
+          <p:cNvGrpSpPr/>
+          <p:nvPr/>
+        </p:nvGrpSpPr>
+        <p:grpSpPr>
+          <a:xfrm>
+            <a:off x="4022413" y="4323505"/>
+            <a:ext cx="4539511" cy="1051435"/>
+            <a:chOff x="4022413" y="4323505"/>
+            <a:chExt cx="4539511" cy="1051435"/>
+          </a:xfrm>
+        </p:grpSpPr>
+        <p:cxnSp>
+          <p:nvCxnSpPr>
+            <p:cNvPr id="38" name="Straight Arrow Connector 37">
+              <a:extLst>
+                <a:ext uri="{FF2B5EF4-FFF2-40B4-BE49-F238E27FC236}">
+                  <a16:creationId xmlns:a16="http://schemas.microsoft.com/office/drawing/2014/main" id="{803D814D-6C5B-4C70-A374-FA5832EF68E5}"/>
+                </a:ext>
+              </a:extLst>
+            </p:cNvPr>
+            <p:cNvCxnSpPr>
+              <a:cxnSpLocks/>
+            </p:cNvCxnSpPr>
+            <p:nvPr/>
+          </p:nvCxnSpPr>
+          <p:spPr>
+            <a:xfrm flipV="1">
+              <a:off x="4022413" y="4416725"/>
+              <a:ext cx="2898777" cy="958215"/>
+            </a:xfrm>
+            <a:prstGeom prst="straightConnector1">
+              <a:avLst/>
+            </a:prstGeom>
+            <a:ln w="76200">
+              <a:solidFill>
+                <a:srgbClr val="CC4242"/>
+              </a:solidFill>
+              <a:tailEnd type="triangle"/>
+            </a:ln>
+          </p:spPr>
+          <p:style>
+            <a:lnRef idx="1">
+              <a:schemeClr val="accent1"/>
+            </a:lnRef>
+            <a:fillRef idx="0">
+              <a:schemeClr val="accent1"/>
+            </a:fillRef>
+            <a:effectRef idx="0">
+              <a:schemeClr val="accent1"/>
+            </a:effectRef>
+            <a:fontRef idx="minor">
+              <a:schemeClr val="tx1"/>
+            </a:fontRef>
+          </p:style>
+        </p:cxnSp>
+        <p:cxnSp>
+          <p:nvCxnSpPr>
+            <p:cNvPr id="39" name="Straight Arrow Connector 38">
+              <a:extLst>
+                <a:ext uri="{FF2B5EF4-FFF2-40B4-BE49-F238E27FC236}">
+                  <a16:creationId xmlns:a16="http://schemas.microsoft.com/office/drawing/2014/main" id="{03F4C733-A825-4640-B3A4-4A172E6B79C5}"/>
+                </a:ext>
+              </a:extLst>
+            </p:cNvPr>
+            <p:cNvCxnSpPr>
+              <a:cxnSpLocks/>
+            </p:cNvCxnSpPr>
+            <p:nvPr/>
+          </p:nvCxnSpPr>
+          <p:spPr>
+            <a:xfrm flipV="1">
+              <a:off x="6921166" y="4323505"/>
+              <a:ext cx="1640758" cy="121922"/>
+            </a:xfrm>
+            <a:prstGeom prst="straightConnector1">
+              <a:avLst/>
+            </a:prstGeom>
+            <a:ln w="76200">
+              <a:solidFill>
+                <a:srgbClr val="CC4242"/>
+              </a:solidFill>
+              <a:tailEnd type="triangle"/>
+            </a:ln>
+          </p:spPr>
+          <p:style>
+            <a:lnRef idx="1">
+              <a:schemeClr val="accent1"/>
+            </a:lnRef>
+            <a:fillRef idx="0">
+              <a:schemeClr val="accent1"/>
+            </a:fillRef>
+            <a:effectRef idx="0">
+              <a:schemeClr val="accent1"/>
+            </a:effectRef>
+            <a:fontRef idx="minor">
+              <a:schemeClr val="tx1"/>
+            </a:fontRef>
+          </p:style>
+        </p:cxnSp>
+      </p:grpSp>
+      <p:sp>
+        <p:nvSpPr>
+          <p:cNvPr id="6" name="Title 5">
+            <a:extLst>
+              <a:ext uri="{FF2B5EF4-FFF2-40B4-BE49-F238E27FC236}">
+                <a16:creationId xmlns:a16="http://schemas.microsoft.com/office/drawing/2014/main" id="{0AAFE1BB-E001-45DD-A220-2E90A0EF2E8A}"/>
+              </a:ext>
+            </a:extLst>
+          </p:cNvPr>
+          <p:cNvSpPr>
+            <a:spLocks noGrp="1"/>
+          </p:cNvSpPr>
+          <p:nvPr>
+            <p:ph type="title"/>
+          </p:nvPr>
+        </p:nvSpPr>
+        <p:spPr>
+          <a:xfrm>
+            <a:off x="407894" y="538443"/>
+            <a:ext cx="10515600" cy="1315757"/>
+          </a:xfrm>
+        </p:spPr>
+        <p:txBody>
+          <a:bodyPr>
+            <a:normAutofit/>
+          </a:bodyPr>
+          <a:lstStyle/>
+          <a:p>
+            <a:r>
+              <a:rPr lang="en-US" dirty="0"/>
+              <a:t>Our quest for more performance is eternal;</a:t>
+            </a:r>
+            <a:br>
+              <a:rPr lang="en-US" dirty="0"/>
+            </a:br>
+            <a:r>
+              <a:rPr lang="en-US" dirty="0"/>
+              <a:t>how we obtain it adopts to the times</a:t>
+            </a:r>
+          </a:p>
+        </p:txBody>
+      </p:sp>
+      <p:grpSp>
+        <p:nvGrpSpPr>
+          <p:cNvPr id="16" name="Group 15">
+            <a:extLst>
+              <a:ext uri="{FF2B5EF4-FFF2-40B4-BE49-F238E27FC236}">
+                <a16:creationId xmlns:a16="http://schemas.microsoft.com/office/drawing/2014/main" id="{6D806C9F-A5F8-4433-B89B-7A82E8A430BC}"/>
+              </a:ext>
+            </a:extLst>
+          </p:cNvPr>
+          <p:cNvGrpSpPr/>
+          <p:nvPr/>
+        </p:nvGrpSpPr>
+        <p:grpSpPr>
+          <a:xfrm>
+            <a:off x="3389470" y="505205"/>
+            <a:ext cx="4011074" cy="3149675"/>
+            <a:chOff x="3389470" y="505205"/>
+            <a:chExt cx="4011074" cy="3149675"/>
+          </a:xfrm>
+        </p:grpSpPr>
+        <p:sp>
+          <p:nvSpPr>
+            <p:cNvPr id="18" name="Arrow: Down 17">
+              <a:extLst>
+                <a:ext uri="{FF2B5EF4-FFF2-40B4-BE49-F238E27FC236}">
+                  <a16:creationId xmlns:a16="http://schemas.microsoft.com/office/drawing/2014/main" id="{C53F3DA3-6B72-4EBB-BFEF-3C7EA0848AD4}"/>
+                </a:ext>
+              </a:extLst>
+            </p:cNvPr>
+            <p:cNvSpPr/>
+            <p:nvPr/>
+          </p:nvSpPr>
+          <p:spPr>
+            <a:xfrm>
+              <a:off x="6388608" y="538443"/>
+              <a:ext cx="1011936" cy="3116437"/>
+            </a:xfrm>
+            <a:prstGeom prst="downArrow">
+              <a:avLst/>
+            </a:prstGeom>
+          </p:spPr>
+          <p:style>
+            <a:lnRef idx="2">
+              <a:schemeClr val="accent1">
+                <a:shade val="50000"/>
+              </a:schemeClr>
+            </a:lnRef>
+            <a:fillRef idx="1">
+              <a:schemeClr val="accent1"/>
+            </a:fillRef>
+            <a:effectRef idx="0">
+              <a:schemeClr val="accent1"/>
+            </a:effectRef>
+            <a:fontRef idx="minor">
+              <a:schemeClr val="lt1"/>
+            </a:fontRef>
+          </p:style>
+          <p:txBody>
+            <a:bodyPr rtlCol="0" anchor="ctr"/>
+            <a:lstStyle/>
+            <a:p>
+              <a:pPr algn="ctr"/>
+              <a:endParaRPr lang="en-US" dirty="0"/>
+            </a:p>
+          </p:txBody>
+        </p:sp>
+        <p:sp>
+          <p:nvSpPr>
+            <p:cNvPr id="19" name="TextBox 18">
+              <a:extLst>
+                <a:ext uri="{FF2B5EF4-FFF2-40B4-BE49-F238E27FC236}">
+                  <a16:creationId xmlns:a16="http://schemas.microsoft.com/office/drawing/2014/main" id="{EFCD2633-DB49-41FC-90BD-FC4254D6C56E}"/>
+                </a:ext>
+              </a:extLst>
+            </p:cNvPr>
+            <p:cNvSpPr txBox="1"/>
+            <p:nvPr/>
+          </p:nvSpPr>
+          <p:spPr>
+            <a:xfrm>
+              <a:off x="3389470" y="505205"/>
+              <a:ext cx="3740319" cy="1138773"/>
+            </a:xfrm>
+            <a:prstGeom prst="rect">
+              <a:avLst/>
+            </a:prstGeom>
+            <a:solidFill>
+              <a:srgbClr val="4472C4"/>
+            </a:solidFill>
+          </p:spPr>
+          <p:txBody>
+            <a:bodyPr wrap="none" rtlCol="0">
+              <a:spAutoFit/>
+            </a:bodyPr>
+            <a:lstStyle/>
+            <a:p>
+              <a:pPr algn="ctr"/>
+              <a:r>
+                <a:rPr lang="en-US" dirty="0">
+                  <a:solidFill>
+                    <a:schemeClr val="bg1"/>
+                  </a:solidFill>
+                </a:rPr>
+                <a:t>The famous</a:t>
+              </a:r>
+            </a:p>
+            <a:p>
+              <a:pPr algn="ctr"/>
+              <a:r>
+                <a:rPr lang="en-US" sz="3200" b="1" dirty="0">
+                  <a:solidFill>
+                    <a:schemeClr val="bg1"/>
+                  </a:solidFill>
+                </a:rPr>
+                <a:t>“Hit the Power Wall”</a:t>
+              </a:r>
+            </a:p>
+            <a:p>
+              <a:pPr algn="ctr"/>
+              <a:r>
+                <a:rPr lang="en-US" dirty="0">
+                  <a:solidFill>
+                    <a:schemeClr val="bg1"/>
+                  </a:solidFill>
+                </a:rPr>
+                <a:t>~2006</a:t>
+              </a:r>
+            </a:p>
+          </p:txBody>
+        </p:sp>
+      </p:grpSp>
+      <p:sp>
+        <p:nvSpPr>
+          <p:cNvPr id="21" name="TextBox 20">
+            <a:extLst>
+              <a:ext uri="{FF2B5EF4-FFF2-40B4-BE49-F238E27FC236}">
+                <a16:creationId xmlns:a16="http://schemas.microsoft.com/office/drawing/2014/main" id="{94CFD48D-59EF-4CE7-B20D-CB68AAA77FD0}"/>
+              </a:ext>
+            </a:extLst>
+          </p:cNvPr>
+          <p:cNvSpPr txBox="1"/>
+          <p:nvPr/>
+        </p:nvSpPr>
+        <p:spPr>
+          <a:xfrm>
+            <a:off x="2338052" y="1808220"/>
+            <a:ext cx="2921577" cy="3693319"/>
+          </a:xfrm>
+          <a:prstGeom prst="rect">
+            <a:avLst/>
+          </a:prstGeom>
+          <a:solidFill>
+            <a:srgbClr val="4472C4"/>
+          </a:solidFill>
+          <a:ln w="57150">
+            <a:solidFill>
+              <a:schemeClr val="tx1"/>
+            </a:solidFill>
+          </a:ln>
+        </p:spPr>
+        <p:txBody>
+          <a:bodyPr wrap="square" rtlCol="0">
+            <a:spAutoFit/>
+          </a:bodyPr>
+          <a:lstStyle/>
+          <a:p>
+            <a:pPr algn="ctr"/>
+            <a:r>
+              <a:rPr lang="en-US" dirty="0">
+                <a:solidFill>
+                  <a:schemeClr val="bg1"/>
+                </a:solidFill>
+              </a:rPr>
+              <a:t>Why?</a:t>
+            </a:r>
+          </a:p>
+          <a:p>
+            <a:pPr algn="ctr"/>
+            <a:endParaRPr lang="en-US" dirty="0">
+              <a:solidFill>
+                <a:schemeClr val="bg1"/>
+              </a:solidFill>
+            </a:endParaRPr>
+          </a:p>
+          <a:p>
+            <a:pPr algn="ctr"/>
+            <a:r>
+              <a:rPr lang="en-US" dirty="0">
+                <a:solidFill>
+                  <a:schemeClr val="bg1"/>
+                </a:solidFill>
+              </a:rPr>
+              <a:t>Performance stopped scaling with frequency </a:t>
+            </a:r>
+            <a:r>
+              <a:rPr lang="en-US" i="1" dirty="0">
+                <a:solidFill>
+                  <a:schemeClr val="bg1"/>
+                </a:solidFill>
+              </a:rPr>
+              <a:t>enough</a:t>
+            </a:r>
+            <a:r>
+              <a:rPr lang="en-US" dirty="0">
+                <a:solidFill>
+                  <a:schemeClr val="bg1"/>
+                </a:solidFill>
+              </a:rPr>
+              <a:t> to justify the power increases.</a:t>
+            </a:r>
+          </a:p>
+          <a:p>
+            <a:pPr algn="ctr"/>
+            <a:endParaRPr lang="en-US" dirty="0">
+              <a:solidFill>
+                <a:schemeClr val="bg1"/>
+              </a:solidFill>
+            </a:endParaRPr>
+          </a:p>
+          <a:p>
+            <a:pPr algn="ctr"/>
+            <a:r>
+              <a:rPr lang="en-US" dirty="0">
+                <a:solidFill>
+                  <a:schemeClr val="bg1"/>
+                </a:solidFill>
+              </a:rPr>
+              <a:t>Before 2006:  Double Perf = Double Performance; that used to be OKAY</a:t>
+            </a:r>
+          </a:p>
+          <a:p>
+            <a:pPr algn="ctr"/>
+            <a:r>
+              <a:rPr lang="en-US" dirty="0">
+                <a:solidFill>
+                  <a:schemeClr val="bg1"/>
+                </a:solidFill>
+              </a:rPr>
+              <a:t>(actual math: Double Frequency, Quadrupled Power – but Shrink in Half to Halve the Power)</a:t>
+            </a:r>
+          </a:p>
+        </p:txBody>
+      </p:sp>
+      <p:sp>
+        <p:nvSpPr>
+          <p:cNvPr id="23" name="TextBox 22">
+            <a:extLst>
+              <a:ext uri="{FF2B5EF4-FFF2-40B4-BE49-F238E27FC236}">
+                <a16:creationId xmlns:a16="http://schemas.microsoft.com/office/drawing/2014/main" id="{F95235FA-EA00-4280-AC9C-DFF2C937ED0F}"/>
+              </a:ext>
+            </a:extLst>
+          </p:cNvPr>
+          <p:cNvSpPr txBox="1"/>
+          <p:nvPr/>
+        </p:nvSpPr>
+        <p:spPr>
+          <a:xfrm>
+            <a:off x="282608" y="3441680"/>
+            <a:ext cx="4925211" cy="3416320"/>
+          </a:xfrm>
+          <a:prstGeom prst="rect">
+            <a:avLst/>
+          </a:prstGeom>
+          <a:solidFill>
+            <a:srgbClr val="4472C4"/>
+          </a:solidFill>
+          <a:ln w="57150">
+            <a:solidFill>
+              <a:schemeClr val="tx1"/>
+            </a:solidFill>
+          </a:ln>
+        </p:spPr>
+        <p:txBody>
+          <a:bodyPr wrap="square" rtlCol="0">
+            <a:spAutoFit/>
+          </a:bodyPr>
+          <a:lstStyle/>
+          <a:p>
+            <a:r>
+              <a:rPr lang="en-US" dirty="0">
+                <a:solidFill>
+                  <a:schemeClr val="bg1"/>
+                </a:solidFill>
+              </a:rPr>
+              <a:t>Around 2006 –</a:t>
+            </a:r>
+            <a:br>
+              <a:rPr lang="en-US" dirty="0">
+                <a:solidFill>
+                  <a:schemeClr val="bg1"/>
+                </a:solidFill>
+              </a:rPr>
+            </a:br>
+            <a:r>
+              <a:rPr lang="en-US" dirty="0">
+                <a:solidFill>
+                  <a:schemeClr val="bg1"/>
+                </a:solidFill>
+              </a:rPr>
+              <a:t>Three problems converged:</a:t>
+            </a:r>
+          </a:p>
+          <a:p>
+            <a:pPr marL="342900" indent="-342900">
+              <a:buFont typeface="+mj-lt"/>
+              <a:buAutoNum type="arabicPeriod"/>
+            </a:pPr>
+            <a:r>
+              <a:rPr lang="en-US" b="1" dirty="0">
+                <a:solidFill>
+                  <a:schemeClr val="bg1"/>
+                </a:solidFill>
+              </a:rPr>
+              <a:t>Power Wall:</a:t>
+            </a:r>
+            <a:br>
+              <a:rPr lang="en-US" dirty="0">
+                <a:solidFill>
+                  <a:schemeClr val="bg1"/>
+                </a:solidFill>
+              </a:rPr>
+            </a:br>
+            <a:r>
+              <a:rPr lang="en-US" dirty="0">
+                <a:solidFill>
+                  <a:schemeClr val="bg1"/>
+                </a:solidFill>
+              </a:rPr>
+              <a:t>Thermal Constraints meant performance Increases no longer allowed to scale up power needs</a:t>
+            </a:r>
+          </a:p>
+          <a:p>
+            <a:pPr marL="342900" indent="-342900">
+              <a:buFont typeface="+mj-lt"/>
+              <a:buAutoNum type="arabicPeriod"/>
+            </a:pPr>
+            <a:r>
+              <a:rPr lang="en-US" b="1" dirty="0">
+                <a:solidFill>
+                  <a:schemeClr val="bg1"/>
+                </a:solidFill>
+              </a:rPr>
+              <a:t>Memory Wall:</a:t>
+            </a:r>
+            <a:br>
+              <a:rPr lang="en-US" dirty="0">
+                <a:solidFill>
+                  <a:schemeClr val="bg1"/>
+                </a:solidFill>
+              </a:rPr>
+            </a:br>
+            <a:r>
+              <a:rPr lang="en-US" dirty="0">
+                <a:solidFill>
+                  <a:schemeClr val="bg1"/>
+                </a:solidFill>
+              </a:rPr>
+              <a:t>Frequency scaling of computation not scaling system performance, largely due to memory</a:t>
+            </a:r>
+          </a:p>
+          <a:p>
+            <a:pPr marL="342900" indent="-342900">
+              <a:buFont typeface="+mj-lt"/>
+              <a:buAutoNum type="arabicPeriod"/>
+            </a:pPr>
+            <a:r>
+              <a:rPr lang="en-US" b="1" dirty="0">
+                <a:solidFill>
+                  <a:schemeClr val="bg1"/>
+                </a:solidFill>
+              </a:rPr>
+              <a:t>ILP Wall:</a:t>
+            </a:r>
+            <a:br>
+              <a:rPr lang="en-US" dirty="0">
+                <a:solidFill>
+                  <a:schemeClr val="bg1"/>
+                </a:solidFill>
+              </a:rPr>
+            </a:br>
+            <a:r>
+              <a:rPr lang="en-US" dirty="0">
+                <a:solidFill>
+                  <a:schemeClr val="bg1"/>
+                </a:solidFill>
+              </a:rPr>
+              <a:t>Not enough single-threaded parallelism to fuel performance gains.</a:t>
+            </a:r>
+          </a:p>
+        </p:txBody>
+      </p:sp>
+    </p:spTree>
+    <p:extLst>
+      <p:ext uri="{BB962C8B-B14F-4D97-AF65-F5344CB8AC3E}">
+        <p14:creationId xmlns:p14="http://schemas.microsoft.com/office/powerpoint/2010/main" val="1335990472"/>
       </p:ext>
     </p:extLst>
   </p:cSld>
